--- a/Presentation_Stack.pptx
+++ b/Presentation_Stack.pptx
@@ -128,6 +128,66 @@
 </p:presentation>
 </file>
 
+<file path=ppt/revisionInfo.xml><?xml version="1.0" encoding="utf-8"?>
+<p1510:revInfo xmlns:a="http://schemas.openxmlformats.org/drawingml/2006/main" xmlns:r="http://schemas.openxmlformats.org/officeDocument/2006/relationships" xmlns:p1510="http://schemas.microsoft.com/office/powerpoint/2015/10/main">
+  <p1510:revLst>
+    <p1510:client id="{C83F211C-C4CE-4B96-9FC8-937045853EC6}" v="5" dt="2021-04-17T06:42:07.988"/>
+  </p1510:revLst>
+</p1510:revInfo>
+</file>
+
+<file path=ppt/changesInfos/changesInfo1.xml><?xml version="1.0" encoding="utf-8"?>
+<pc:chgInfo xmlns:a="http://schemas.openxmlformats.org/drawingml/2006/main" xmlns:r="http://schemas.openxmlformats.org/officeDocument/2006/relationships" xmlns:ac="http://schemas.microsoft.com/office/drawing/2013/main/command" xmlns:pc="http://schemas.microsoft.com/office/powerpoint/2013/main/command">
+  <pc:docChgLst>
+    <pc:chgData name="Alex Schaeffer" userId="64e1b9c56e7ec9ea" providerId="LiveId" clId="{C83F211C-C4CE-4B96-9FC8-937045853EC6}"/>
+    <pc:docChg chg="undo custSel modSld">
+      <pc:chgData name="Alex Schaeffer" userId="64e1b9c56e7ec9ea" providerId="LiveId" clId="{C83F211C-C4CE-4B96-9FC8-937045853EC6}" dt="2021-04-17T06:42:10.156" v="8" actId="1076"/>
+      <pc:docMkLst>
+        <pc:docMk/>
+      </pc:docMkLst>
+      <pc:sldChg chg="addSp delSp modSp mod">
+        <pc:chgData name="Alex Schaeffer" userId="64e1b9c56e7ec9ea" providerId="LiveId" clId="{C83F211C-C4CE-4B96-9FC8-937045853EC6}" dt="2021-04-17T06:42:10.156" v="8" actId="1076"/>
+        <pc:sldMkLst>
+          <pc:docMk/>
+          <pc:sldMk cId="1053874742" sldId="357"/>
+        </pc:sldMkLst>
+        <pc:picChg chg="add del mod">
+          <ac:chgData name="Alex Schaeffer" userId="64e1b9c56e7ec9ea" providerId="LiveId" clId="{C83F211C-C4CE-4B96-9FC8-937045853EC6}" dt="2021-04-17T06:41:51.149" v="5"/>
+          <ac:picMkLst>
+            <pc:docMk/>
+            <pc:sldMk cId="1053874742" sldId="357"/>
+            <ac:picMk id="12" creationId="{CDA72684-5416-40A6-BB97-D4A86533B84A}"/>
+          </ac:picMkLst>
+        </pc:picChg>
+        <pc:picChg chg="add mod">
+          <ac:chgData name="Alex Schaeffer" userId="64e1b9c56e7ec9ea" providerId="LiveId" clId="{C83F211C-C4CE-4B96-9FC8-937045853EC6}" dt="2021-04-17T06:42:10.156" v="8" actId="1076"/>
+          <ac:picMkLst>
+            <pc:docMk/>
+            <pc:sldMk cId="1053874742" sldId="357"/>
+            <ac:picMk id="14" creationId="{1C9137CB-2577-4F78-8DF2-44068F31AF1C}"/>
+          </ac:picMkLst>
+        </pc:picChg>
+      </pc:sldChg>
+      <pc:sldChg chg="addSp delSp modSp mod">
+        <pc:chgData name="Alex Schaeffer" userId="64e1b9c56e7ec9ea" providerId="LiveId" clId="{C83F211C-C4CE-4B96-9FC8-937045853EC6}" dt="2021-04-17T06:38:49.061" v="3"/>
+        <pc:sldMkLst>
+          <pc:docMk/>
+          <pc:sldMk cId="3259609200" sldId="367"/>
+        </pc:sldMkLst>
+        <pc:spChg chg="add del mod">
+          <ac:chgData name="Alex Schaeffer" userId="64e1b9c56e7ec9ea" providerId="LiveId" clId="{C83F211C-C4CE-4B96-9FC8-937045853EC6}" dt="2021-04-17T06:38:49.061" v="3"/>
+          <ac:spMkLst>
+            <pc:docMk/>
+            <pc:sldMk cId="3259609200" sldId="367"/>
+            <ac:spMk id="11" creationId="{3289B932-1FA6-4256-8CE8-FC30798A48C3}"/>
+          </ac:spMkLst>
+        </pc:spChg>
+      </pc:sldChg>
+    </pc:docChg>
+  </pc:docChgLst>
+</pc:chgInfo>
+</file>
+
 <file path=ppt/notesMasters/notesMaster1.xml><?xml version="1.0" encoding="utf-8"?>
 <p:notesMaster xmlns:a="http://schemas.openxmlformats.org/drawingml/2006/main" xmlns:r="http://schemas.openxmlformats.org/officeDocument/2006/relationships" xmlns:p="http://schemas.openxmlformats.org/presentationml/2006/main">
   <p:cSld>
@@ -210,7 +270,7 @@
           <a:p>
             <a:fld id="{464227E5-0005-4204-A4E7-B4896A8A2468}" type="datetimeFigureOut">
               <a:rPr lang="en-US" smtClean="0"/>
-              <a:t>4/15/2021</a:t>
+              <a:t>4/17/2021</a:t>
             </a:fld>
             <a:endParaRPr lang="en-US" dirty="0"/>
           </a:p>
@@ -708,7 +768,7 @@
           <a:p>
             <a:fld id="{C05E4F18-B0D9-4662-BC27-BFA37F71E5A9}" type="datetimeFigureOut">
               <a:rPr lang="en-US" smtClean="0"/>
-              <a:t>4/15/2021</a:t>
+              <a:t>4/17/2021</a:t>
             </a:fld>
             <a:endParaRPr lang="en-US" dirty="0"/>
           </a:p>
@@ -906,7 +966,7 @@
           <a:p>
             <a:fld id="{C05E4F18-B0D9-4662-BC27-BFA37F71E5A9}" type="datetimeFigureOut">
               <a:rPr lang="en-US" smtClean="0"/>
-              <a:t>4/15/2021</a:t>
+              <a:t>4/17/2021</a:t>
             </a:fld>
             <a:endParaRPr lang="en-US" dirty="0"/>
           </a:p>
@@ -1114,7 +1174,7 @@
           <a:p>
             <a:fld id="{C05E4F18-B0D9-4662-BC27-BFA37F71E5A9}" type="datetimeFigureOut">
               <a:rPr lang="en-US" smtClean="0"/>
-              <a:t>4/15/2021</a:t>
+              <a:t>4/17/2021</a:t>
             </a:fld>
             <a:endParaRPr lang="en-US" dirty="0"/>
           </a:p>
@@ -2552,7 +2612,7 @@
           <a:p>
             <a:fld id="{C05E4F18-B0D9-4662-BC27-BFA37F71E5A9}" type="datetimeFigureOut">
               <a:rPr lang="en-US" smtClean="0"/>
-              <a:t>4/15/2021</a:t>
+              <a:t>4/17/2021</a:t>
             </a:fld>
             <a:endParaRPr lang="en-US" dirty="0"/>
           </a:p>
@@ -2827,7 +2887,7 @@
           <a:p>
             <a:fld id="{C05E4F18-B0D9-4662-BC27-BFA37F71E5A9}" type="datetimeFigureOut">
               <a:rPr lang="en-US" smtClean="0"/>
-              <a:t>4/15/2021</a:t>
+              <a:t>4/17/2021</a:t>
             </a:fld>
             <a:endParaRPr lang="en-US" dirty="0"/>
           </a:p>
@@ -3092,7 +3152,7 @@
           <a:p>
             <a:fld id="{C05E4F18-B0D9-4662-BC27-BFA37F71E5A9}" type="datetimeFigureOut">
               <a:rPr lang="en-US" smtClean="0"/>
-              <a:t>4/15/2021</a:t>
+              <a:t>4/17/2021</a:t>
             </a:fld>
             <a:endParaRPr lang="en-US" dirty="0"/>
           </a:p>
@@ -3504,7 +3564,7 @@
           <a:p>
             <a:fld id="{C05E4F18-B0D9-4662-BC27-BFA37F71E5A9}" type="datetimeFigureOut">
               <a:rPr lang="en-US" smtClean="0"/>
-              <a:t>4/15/2021</a:t>
+              <a:t>4/17/2021</a:t>
             </a:fld>
             <a:endParaRPr lang="en-US" dirty="0"/>
           </a:p>
@@ -3645,7 +3705,7 @@
           <a:p>
             <a:fld id="{C05E4F18-B0D9-4662-BC27-BFA37F71E5A9}" type="datetimeFigureOut">
               <a:rPr lang="en-US" smtClean="0"/>
-              <a:t>4/15/2021</a:t>
+              <a:t>4/17/2021</a:t>
             </a:fld>
             <a:endParaRPr lang="en-US" dirty="0"/>
           </a:p>
@@ -3758,7 +3818,7 @@
           <a:p>
             <a:fld id="{C05E4F18-B0D9-4662-BC27-BFA37F71E5A9}" type="datetimeFigureOut">
               <a:rPr lang="en-US" smtClean="0"/>
-              <a:t>4/15/2021</a:t>
+              <a:t>4/17/2021</a:t>
             </a:fld>
             <a:endParaRPr lang="en-US" dirty="0"/>
           </a:p>
@@ -4069,7 +4129,7 @@
           <a:p>
             <a:fld id="{C05E4F18-B0D9-4662-BC27-BFA37F71E5A9}" type="datetimeFigureOut">
               <a:rPr lang="en-US" smtClean="0"/>
-              <a:t>4/15/2021</a:t>
+              <a:t>4/17/2021</a:t>
             </a:fld>
             <a:endParaRPr lang="en-US" dirty="0"/>
           </a:p>
@@ -4357,7 +4417,7 @@
           <a:p>
             <a:fld id="{C05E4F18-B0D9-4662-BC27-BFA37F71E5A9}" type="datetimeFigureOut">
               <a:rPr lang="en-US" smtClean="0"/>
-              <a:t>4/15/2021</a:t>
+              <a:t>4/17/2021</a:t>
             </a:fld>
             <a:endParaRPr lang="en-US" dirty="0"/>
           </a:p>
@@ -4598,7 +4658,7 @@
           <a:p>
             <a:fld id="{C05E4F18-B0D9-4662-BC27-BFA37F71E5A9}" type="datetimeFigureOut">
               <a:rPr lang="en-US" smtClean="0"/>
-              <a:t>4/15/2021</a:t>
+              <a:t>4/17/2021</a:t>
             </a:fld>
             <a:endParaRPr lang="en-US" dirty="0"/>
           </a:p>
@@ -8752,6 +8812,36 @@
           <a:xfrm>
             <a:off x="4922704" y="2950840"/>
             <a:ext cx="3029807" cy="2975542"/>
+          </a:xfrm>
+          <a:prstGeom prst="rect">
+            <a:avLst/>
+          </a:prstGeom>
+        </p:spPr>
+      </p:pic>
+      <p:pic>
+        <p:nvPicPr>
+          <p:cNvPr id="14" name="Picture 13">
+            <a:extLst>
+              <a:ext uri="{FF2B5EF4-FFF2-40B4-BE49-F238E27FC236}">
+                <a16:creationId xmlns:a16="http://schemas.microsoft.com/office/drawing/2014/main" id="{1C9137CB-2577-4F78-8DF2-44068F31AF1C}"/>
+              </a:ext>
+            </a:extLst>
+          </p:cNvPr>
+          <p:cNvPicPr>
+            <a:picLocks noChangeAspect="1"/>
+          </p:cNvPicPr>
+          <p:nvPr/>
+        </p:nvPicPr>
+        <p:blipFill>
+          <a:blip r:embed="rId2"/>
+          <a:stretch>
+            <a:fillRect/>
+          </a:stretch>
+        </p:blipFill>
+        <p:spPr>
+          <a:xfrm>
+            <a:off x="8293324" y="3104041"/>
+            <a:ext cx="3195352" cy="2974741"/>
           </a:xfrm>
           <a:prstGeom prst="rect">
             <a:avLst/>
